--- a/04 Entity Framework/PPT/Overriding Code-First Conventions/03 Relationships.pptx
+++ b/04 Entity Framework/PPT/Overriding Code-First Conventions/03 Relationships.pptx
@@ -203,7 +203,7 @@
           <a:p>
             <a:fld id="{ADF707B8-7231-4678-B11E-A2E7C0614A30}" type="datetimeFigureOut">
               <a:rPr lang="fr-FR" smtClean="0"/>
-              <a:t>05/01/2020</a:t>
+              <a:t>25/01/2020</a:t>
             </a:fld>
             <a:endParaRPr lang="fr-FR"/>
           </a:p>
@@ -736,7 +736,7 @@
           <a:p>
             <a:fld id="{AA309A6D-C09C-4548-B29A-6CF363A7E532}" type="datetimeFigureOut">
               <a:rPr lang="fr-FR" smtClean="0"/>
-              <a:t>05/01/2020</a:t>
+              <a:t>25/01/2020</a:t>
             </a:fld>
             <a:endParaRPr lang="fr-BE"/>
           </a:p>
@@ -901,7 +901,7 @@
           <a:p>
             <a:fld id="{AA309A6D-C09C-4548-B29A-6CF363A7E532}" type="datetimeFigureOut">
               <a:rPr lang="fr-FR" smtClean="0"/>
-              <a:t>05/01/2020</a:t>
+              <a:t>25/01/2020</a:t>
             </a:fld>
             <a:endParaRPr lang="fr-BE"/>
           </a:p>
@@ -1076,7 +1076,7 @@
           <a:p>
             <a:fld id="{AA309A6D-C09C-4548-B29A-6CF363A7E532}" type="datetimeFigureOut">
               <a:rPr lang="fr-FR" smtClean="0"/>
-              <a:t>05/01/2020</a:t>
+              <a:t>25/01/2020</a:t>
             </a:fld>
             <a:endParaRPr lang="fr-BE"/>
           </a:p>
@@ -1241,7 +1241,7 @@
           <a:p>
             <a:fld id="{AA309A6D-C09C-4548-B29A-6CF363A7E532}" type="datetimeFigureOut">
               <a:rPr lang="fr-FR" smtClean="0"/>
-              <a:t>05/01/2020</a:t>
+              <a:t>25/01/2020</a:t>
             </a:fld>
             <a:endParaRPr lang="fr-BE"/>
           </a:p>
@@ -1482,7 +1482,7 @@
           <a:p>
             <a:fld id="{AA309A6D-C09C-4548-B29A-6CF363A7E532}" type="datetimeFigureOut">
               <a:rPr lang="fr-FR" smtClean="0"/>
-              <a:t>05/01/2020</a:t>
+              <a:t>25/01/2020</a:t>
             </a:fld>
             <a:endParaRPr lang="fr-BE"/>
           </a:p>
@@ -1765,7 +1765,7 @@
           <a:p>
             <a:fld id="{AA309A6D-C09C-4548-B29A-6CF363A7E532}" type="datetimeFigureOut">
               <a:rPr lang="fr-FR" smtClean="0"/>
-              <a:t>05/01/2020</a:t>
+              <a:t>25/01/2020</a:t>
             </a:fld>
             <a:endParaRPr lang="fr-BE"/>
           </a:p>
@@ -2182,7 +2182,7 @@
           <a:p>
             <a:fld id="{AA309A6D-C09C-4548-B29A-6CF363A7E532}" type="datetimeFigureOut">
               <a:rPr lang="fr-FR" smtClean="0"/>
-              <a:t>05/01/2020</a:t>
+              <a:t>25/01/2020</a:t>
             </a:fld>
             <a:endParaRPr lang="fr-BE"/>
           </a:p>
@@ -2295,7 +2295,7 @@
           <a:p>
             <a:fld id="{AA309A6D-C09C-4548-B29A-6CF363A7E532}" type="datetimeFigureOut">
               <a:rPr lang="fr-FR" smtClean="0"/>
-              <a:t>05/01/2020</a:t>
+              <a:t>25/01/2020</a:t>
             </a:fld>
             <a:endParaRPr lang="fr-BE"/>
           </a:p>
@@ -2385,7 +2385,7 @@
           <a:p>
             <a:fld id="{AA309A6D-C09C-4548-B29A-6CF363A7E532}" type="datetimeFigureOut">
               <a:rPr lang="fr-FR" smtClean="0"/>
-              <a:t>05/01/2020</a:t>
+              <a:t>25/01/2020</a:t>
             </a:fld>
             <a:endParaRPr lang="fr-BE"/>
           </a:p>
@@ -2657,7 +2657,7 @@
           <a:p>
             <a:fld id="{AA309A6D-C09C-4548-B29A-6CF363A7E532}" type="datetimeFigureOut">
               <a:rPr lang="fr-FR" smtClean="0"/>
-              <a:t>05/01/2020</a:t>
+              <a:t>25/01/2020</a:t>
             </a:fld>
             <a:endParaRPr lang="fr-BE"/>
           </a:p>
@@ -2905,7 +2905,7 @@
           <a:p>
             <a:fld id="{AA309A6D-C09C-4548-B29A-6CF363A7E532}" type="datetimeFigureOut">
               <a:rPr lang="fr-FR" smtClean="0"/>
-              <a:t>05/01/2020</a:t>
+              <a:t>25/01/2020</a:t>
             </a:fld>
             <a:endParaRPr lang="fr-BE"/>
           </a:p>
@@ -3113,7 +3113,7 @@
           <a:p>
             <a:fld id="{AA309A6D-C09C-4548-B29A-6CF363A7E532}" type="datetimeFigureOut">
               <a:rPr lang="fr-FR" smtClean="0"/>
-              <a:t>05/01/2020</a:t>
+              <a:t>25/01/2020</a:t>
             </a:fld>
             <a:endParaRPr lang="fr-BE"/>
           </a:p>
@@ -3595,6 +3595,13 @@
   <p:clrMapOvr>
     <a:masterClrMapping/>
   </p:clrMapOvr>
+  <p:timing>
+    <p:tnLst>
+      <p:par>
+        <p:cTn id="1" dur="indefinite" restart="never" nodeType="tmRoot"/>
+      </p:par>
+    </p:tnLst>
+  </p:timing>
 </p:sld>
 </file>
 
@@ -3727,6 +3734,13 @@
   <p:clrMapOvr>
     <a:masterClrMapping/>
   </p:clrMapOvr>
+  <p:timing>
+    <p:tnLst>
+      <p:par>
+        <p:cTn id="1" dur="indefinite" restart="never" nodeType="tmRoot"/>
+      </p:par>
+    </p:tnLst>
+  </p:timing>
 </p:sld>
 </file>
 
@@ -3859,6 +3873,13 @@
   <p:clrMapOvr>
     <a:masterClrMapping/>
   </p:clrMapOvr>
+  <p:timing>
+    <p:tnLst>
+      <p:par>
+        <p:cTn id="1" dur="indefinite" restart="never" nodeType="tmRoot"/>
+      </p:par>
+    </p:tnLst>
+  </p:timing>
 </p:sld>
 </file>
 
@@ -3991,6 +4012,13 @@
   <p:clrMapOvr>
     <a:masterClrMapping/>
   </p:clrMapOvr>
+  <p:timing>
+    <p:tnLst>
+      <p:par>
+        <p:cTn id="1" dur="indefinite" restart="never" nodeType="tmRoot"/>
+      </p:par>
+    </p:tnLst>
+  </p:timing>
 </p:sld>
 </file>
 
@@ -4123,6 +4151,13 @@
   <p:clrMapOvr>
     <a:masterClrMapping/>
   </p:clrMapOvr>
+  <p:timing>
+    <p:tnLst>
+      <p:par>
+        <p:cTn id="1" dur="indefinite" restart="never" nodeType="tmRoot"/>
+      </p:par>
+    </p:tnLst>
+  </p:timing>
 </p:sld>
 </file>
 
@@ -4255,6 +4290,13 @@
   <p:clrMapOvr>
     <a:masterClrMapping/>
   </p:clrMapOvr>
+  <p:timing>
+    <p:tnLst>
+      <p:par>
+        <p:cTn id="1" dur="indefinite" restart="never" nodeType="tmRoot"/>
+      </p:par>
+    </p:tnLst>
+  </p:timing>
 </p:sld>
 </file>
 
@@ -4387,6 +4429,13 @@
   <p:clrMapOvr>
     <a:masterClrMapping/>
   </p:clrMapOvr>
+  <p:timing>
+    <p:tnLst>
+      <p:par>
+        <p:cTn id="1" dur="indefinite" restart="never" nodeType="tmRoot"/>
+      </p:par>
+    </p:tnLst>
+  </p:timing>
 </p:sld>
 </file>
 
@@ -4519,6 +4568,13 @@
   <p:clrMapOvr>
     <a:masterClrMapping/>
   </p:clrMapOvr>
+  <p:timing>
+    <p:tnLst>
+      <p:par>
+        <p:cTn id="1" dur="indefinite" restart="never" nodeType="tmRoot"/>
+      </p:par>
+    </p:tnLst>
+  </p:timing>
 </p:sld>
 </file>
 
@@ -4651,6 +4707,13 @@
   <p:clrMapOvr>
     <a:masterClrMapping/>
   </p:clrMapOvr>
+  <p:timing>
+    <p:tnLst>
+      <p:par>
+        <p:cTn id="1" dur="indefinite" restart="never" nodeType="tmRoot"/>
+      </p:par>
+    </p:tnLst>
+  </p:timing>
 </p:sld>
 </file>
 
@@ -4783,6 +4846,13 @@
   <p:clrMapOvr>
     <a:masterClrMapping/>
   </p:clrMapOvr>
+  <p:timing>
+    <p:tnLst>
+      <p:par>
+        <p:cTn id="1" dur="indefinite" restart="never" nodeType="tmRoot"/>
+      </p:par>
+    </p:tnLst>
+  </p:timing>
 </p:sld>
 </file>
 
@@ -4915,6 +4985,13 @@
   <p:clrMapOvr>
     <a:masterClrMapping/>
   </p:clrMapOvr>
+  <p:timing>
+    <p:tnLst>
+      <p:par>
+        <p:cTn id="1" dur="indefinite" restart="never" nodeType="tmRoot"/>
+      </p:par>
+    </p:tnLst>
+  </p:timing>
 </p:sld>
 </file>
 
@@ -5047,6 +5124,13 @@
   <p:clrMapOvr>
     <a:masterClrMapping/>
   </p:clrMapOvr>
+  <p:timing>
+    <p:tnLst>
+      <p:par>
+        <p:cTn id="1" dur="indefinite" restart="never" nodeType="tmRoot"/>
+      </p:par>
+    </p:tnLst>
+  </p:timing>
 </p:sld>
 </file>
 
